--- a/Presentation/Group8_Project4_Presentation.pptx
+++ b/Presentation/Group8_Project4_Presentation.pptx
@@ -113,6 +113,11 @@
       </a:defRPr>
     </a:lvl9pPr>
   </p:defaultTextStyle>
+  <p:extLst>
+    <p:ext uri="{EFAFB233-063F-42B5-8137-9DF3F51BA10A}">
+      <p15:sldGuideLst xmlns:p15="http://schemas.microsoft.com/office/powerpoint/2012/main"/>
+    </p:ext>
+  </p:extLst>
 </p:presentation>
 </file>
 
@@ -286,7 +291,7 @@
             <a:fld id="{87DE6118-2437-4B30-8E3C-4D2BE6020583}" type="datetimeFigureOut">
               <a:rPr lang="en-US" smtClean="0"/>
               <a:pPr/>
-              <a:t>1/6/24</a:t>
+              <a:t>1/9/2024</a:t>
             </a:fld>
             <a:endParaRPr lang="en-US" dirty="0"/>
           </a:p>
@@ -618,7 +623,7 @@
             <a:fld id="{87DE6118-2437-4B30-8E3C-4D2BE6020583}" type="datetimeFigureOut">
               <a:rPr lang="en-US" smtClean="0"/>
               <a:pPr/>
-              <a:t>1/6/24</a:t>
+              <a:t>1/9/2024</a:t>
             </a:fld>
             <a:endParaRPr lang="en-US" dirty="0"/>
           </a:p>
@@ -800,7 +805,7 @@
             <a:fld id="{87DE6118-2437-4B30-8E3C-4D2BE6020583}" type="datetimeFigureOut">
               <a:rPr lang="en-US" smtClean="0"/>
               <a:pPr/>
-              <a:t>1/6/24</a:t>
+              <a:t>1/9/2024</a:t>
             </a:fld>
             <a:endParaRPr lang="en-US" dirty="0"/>
           </a:p>
@@ -972,7 +977,7 @@
             <a:fld id="{87DE6118-2437-4B30-8E3C-4D2BE6020583}" type="datetimeFigureOut">
               <a:rPr lang="en-US" smtClean="0"/>
               <a:pPr/>
-              <a:t>1/6/24</a:t>
+              <a:t>1/9/2024</a:t>
             </a:fld>
             <a:endParaRPr lang="en-US" dirty="0"/>
           </a:p>
@@ -1251,7 +1256,7 @@
             <a:fld id="{87DE6118-2437-4B30-8E3C-4D2BE6020583}" type="datetimeFigureOut">
               <a:rPr lang="en-US" smtClean="0"/>
               <a:pPr/>
-              <a:t>1/6/24</a:t>
+              <a:t>1/9/2024</a:t>
             </a:fld>
             <a:endParaRPr lang="en-US" dirty="0"/>
           </a:p>
@@ -1647,7 +1652,7 @@
             <a:fld id="{87DE6118-2437-4B30-8E3C-4D2BE6020583}" type="datetimeFigureOut">
               <a:rPr lang="en-US" smtClean="0"/>
               <a:pPr/>
-              <a:t>1/6/24</a:t>
+              <a:t>1/9/2024</a:t>
             </a:fld>
             <a:endParaRPr lang="en-US" dirty="0"/>
           </a:p>
@@ -2126,7 +2131,7 @@
             <a:fld id="{87DE6118-2437-4B30-8E3C-4D2BE6020583}" type="datetimeFigureOut">
               <a:rPr lang="en-US" smtClean="0"/>
               <a:pPr/>
-              <a:t>1/6/24</a:t>
+              <a:t>1/9/2024</a:t>
             </a:fld>
             <a:endParaRPr lang="en-US" dirty="0"/>
           </a:p>
@@ -2245,7 +2250,7 @@
           <a:p>
             <a:fld id="{87DE6118-2437-4B30-8E3C-4D2BE6020583}" type="datetimeFigureOut">
               <a:rPr lang="en-US" smtClean="0"/>
-              <a:t>1/6/24</a:t>
+              <a:t>1/9/2024</a:t>
             </a:fld>
             <a:endParaRPr lang="en-US" dirty="0"/>
           </a:p>
@@ -2340,7 +2345,7 @@
           <a:p>
             <a:fld id="{87DE6118-2437-4B30-8E3C-4D2BE6020583}" type="datetimeFigureOut">
               <a:rPr lang="en-US" smtClean="0"/>
-              <a:t>1/6/24</a:t>
+              <a:t>1/9/2024</a:t>
             </a:fld>
             <a:endParaRPr lang="en-US" dirty="0"/>
           </a:p>
@@ -2687,7 +2692,7 @@
             <a:fld id="{87DE6118-2437-4B30-8E3C-4D2BE6020583}" type="datetimeFigureOut">
               <a:rPr lang="en-US" smtClean="0"/>
               <a:pPr/>
-              <a:t>1/6/24</a:t>
+              <a:t>1/9/2024</a:t>
             </a:fld>
             <a:endParaRPr lang="en-US" dirty="0"/>
           </a:p>
@@ -3077,7 +3082,7 @@
             <a:fld id="{87DE6118-2437-4B30-8E3C-4D2BE6020583}" type="datetimeFigureOut">
               <a:rPr lang="en-US" smtClean="0"/>
               <a:pPr/>
-              <a:t>1/6/24</a:t>
+              <a:t>1/9/2024</a:t>
             </a:fld>
             <a:endParaRPr lang="en-US" dirty="0"/>
           </a:p>
@@ -3357,7 +3362,7 @@
             <a:fld id="{87DE6118-2437-4B30-8E3C-4D2BE6020583}" type="datetimeFigureOut">
               <a:rPr lang="en-US" smtClean="0"/>
               <a:pPr/>
-              <a:t>1/6/24</a:t>
+              <a:t>1/9/2024</a:t>
             </a:fld>
             <a:endParaRPr lang="en-US" dirty="0"/>
           </a:p>
@@ -4190,7 +4195,7 @@
                   </a:schemeClr>
                 </a:solidFill>
               </a:rPr>
-              <a:t>Nestor </a:t>
+              <a:t>Nestor Pardo</a:t>
             </a:r>
           </a:p>
         </p:txBody>
@@ -4377,6 +4382,36 @@
           </a:p>
         </p:txBody>
       </p:sp>
+      <p:pic>
+        <p:nvPicPr>
+          <p:cNvPr id="3" name="Picture 2" descr="A screenshot of a computer&#10;&#10;Description automatically generated">
+            <a:extLst>
+              <a:ext uri="{FF2B5EF4-FFF2-40B4-BE49-F238E27FC236}">
+                <a16:creationId xmlns:a16="http://schemas.microsoft.com/office/drawing/2014/main" id="{ACBE2603-64A2-F804-2C10-6953E63E08E6}"/>
+              </a:ext>
+            </a:extLst>
+          </p:cNvPr>
+          <p:cNvPicPr>
+            <a:picLocks noChangeAspect="1"/>
+          </p:cNvPicPr>
+          <p:nvPr/>
+        </p:nvPicPr>
+        <p:blipFill>
+          <a:blip r:embed="rId2"/>
+          <a:stretch>
+            <a:fillRect/>
+          </a:stretch>
+        </p:blipFill>
+        <p:spPr>
+          <a:xfrm>
+            <a:off x="1542655" y="1213945"/>
+            <a:ext cx="9106689" cy="5370008"/>
+          </a:xfrm>
+          <a:prstGeom prst="rect">
+            <a:avLst/>
+          </a:prstGeom>
+        </p:spPr>
+      </p:pic>
     </p:spTree>
     <p:extLst>
       <p:ext uri="{BB962C8B-B14F-4D97-AF65-F5344CB8AC3E}">
@@ -6981,68 +7016,6 @@
       </p:grpSpPr>
       <p:sp>
         <p:nvSpPr>
-          <p:cNvPr id="1033" name="Rectangle 1032">
-            <a:extLst>
-              <a:ext uri="{FF2B5EF4-FFF2-40B4-BE49-F238E27FC236}">
-                <a16:creationId xmlns:a16="http://schemas.microsoft.com/office/drawing/2014/main" id="{BEC9E7FA-3295-45ED-8253-D23F9E44E1DA}"/>
-              </a:ext>
-              <a:ext uri="{C183D7F6-B498-43B3-948B-1728B52AA6E4}">
-                <adec:decorative xmlns:adec="http://schemas.microsoft.com/office/drawing/2017/decorative" val="1"/>
-              </a:ext>
-            </a:extLst>
-          </p:cNvPr>
-          <p:cNvSpPr>
-            <a:spLocks noGrp="1" noRot="1" noChangeAspect="1" noMove="1" noResize="1" noEditPoints="1" noAdjustHandles="1" noChangeArrowheads="1" noChangeShapeType="1" noTextEdit="1"/>
-          </p:cNvSpPr>
-          <p:nvPr>
-            <p:extLst>
-              <p:ext uri="{386F3935-93C4-4BCD-93E2-E3B085C9AB24}">
-                <p16:designElem xmlns:p16="http://schemas.microsoft.com/office/powerpoint/2015/main" val="1"/>
-              </p:ext>
-            </p:extLst>
-          </p:nvPr>
-        </p:nvSpPr>
-        <p:spPr>
-          <a:xfrm>
-            <a:off x="478095" y="376"/>
-            <a:ext cx="228600" cy="6858000"/>
-          </a:xfrm>
-          <a:prstGeom prst="rect">
-            <a:avLst/>
-          </a:prstGeom>
-          <a:solidFill>
-            <a:schemeClr val="tx2"/>
-          </a:solidFill>
-          <a:ln>
-            <a:noFill/>
-          </a:ln>
-        </p:spPr>
-        <p:style>
-          <a:lnRef idx="2">
-            <a:schemeClr val="accent1">
-              <a:shade val="50000"/>
-            </a:schemeClr>
-          </a:lnRef>
-          <a:fillRef idx="1">
-            <a:schemeClr val="accent1"/>
-          </a:fillRef>
-          <a:effectRef idx="0">
-            <a:schemeClr val="accent1"/>
-          </a:effectRef>
-          <a:fontRef idx="minor">
-            <a:schemeClr val="lt1"/>
-          </a:fontRef>
-        </p:style>
-        <p:txBody>
-          <a:bodyPr/>
-          <a:lstStyle/>
-          <a:p>
-            <a:endParaRPr lang="en-US"/>
-          </a:p>
-        </p:txBody>
-      </p:sp>
-      <p:sp>
-        <p:nvSpPr>
           <p:cNvPr id="9" name="Title 1">
             <a:extLst>
               <a:ext uri="{FF2B5EF4-FFF2-40B4-BE49-F238E27FC236}">
@@ -7058,10 +7031,6 @@
           </p:nvPr>
         </p:nvSpPr>
         <p:spPr>
-          <a:xfrm>
-            <a:off x="936596" y="488093"/>
-            <a:ext cx="9912635" cy="853336"/>
-          </a:xfrm>
           <a:ln w="12700">
             <a:noFill/>
             <a:tailEnd type="triangle"/>
@@ -7089,11 +7058,103 @@
           <a:p>
             <a:r>
               <a:rPr lang="en-US" u="sng" dirty="0"/>
-              <a:t>Application - </a:t>
-            </a:r>
-          </a:p>
-        </p:txBody>
-      </p:sp>
+              <a:t>Application – Fake News Detector (FND)</a:t>
+            </a:r>
+          </a:p>
+        </p:txBody>
+      </p:sp>
+      <p:sp>
+        <p:nvSpPr>
+          <p:cNvPr id="2" name="Content Placeholder 1">
+            <a:extLst>
+              <a:ext uri="{FF2B5EF4-FFF2-40B4-BE49-F238E27FC236}">
+                <a16:creationId xmlns:a16="http://schemas.microsoft.com/office/drawing/2014/main" id="{4D9B2497-F8E9-1580-5521-003B65BDF43F}"/>
+              </a:ext>
+            </a:extLst>
+          </p:cNvPr>
+          <p:cNvSpPr>
+            <a:spLocks noGrp="1"/>
+          </p:cNvSpPr>
+          <p:nvPr>
+            <p:ph sz="half" idx="1"/>
+          </p:nvPr>
+        </p:nvSpPr>
+        <p:spPr/>
+        <p:txBody>
+          <a:bodyPr/>
+          <a:lstStyle/>
+          <a:p>
+            <a:pPr marL="0" indent="0">
+              <a:buNone/>
+            </a:pPr>
+            <a:r>
+              <a:rPr lang="en-US" sz="3200" dirty="0">
+                <a:solidFill>
+                  <a:srgbClr val="00B0F0"/>
+                </a:solidFill>
+              </a:rPr>
+              <a:t>Technology used</a:t>
+            </a:r>
+          </a:p>
+          <a:p>
+            <a:r>
+              <a:rPr lang="en-US" dirty="0" err="1"/>
+              <a:t>Gradio</a:t>
+            </a:r>
+            <a:endParaRPr lang="en-US" dirty="0"/>
+          </a:p>
+          <a:p>
+            <a:endParaRPr lang="en-US" dirty="0"/>
+          </a:p>
+          <a:p>
+            <a:r>
+              <a:rPr lang="en-AU" dirty="0">
+                <a:hlinkClick r:id="rId2"/>
+              </a:rPr>
+              <a:t>https://www.gradio.app/</a:t>
+            </a:r>
+            <a:endParaRPr lang="en-AU" dirty="0"/>
+          </a:p>
+          <a:p>
+            <a:endParaRPr lang="en-AU" dirty="0"/>
+          </a:p>
+          <a:p>
+            <a:r>
+              <a:rPr lang="en-AU" dirty="0"/>
+              <a:t>Python</a:t>
+            </a:r>
+          </a:p>
+        </p:txBody>
+      </p:sp>
+      <p:pic>
+        <p:nvPicPr>
+          <p:cNvPr id="5" name="Content Placeholder 4" descr="A screenshot of a computer&#10;&#10;Description automatically generated">
+            <a:extLst>
+              <a:ext uri="{FF2B5EF4-FFF2-40B4-BE49-F238E27FC236}">
+                <a16:creationId xmlns:a16="http://schemas.microsoft.com/office/drawing/2014/main" id="{20274C6D-4B5C-3FBA-1E9C-2F6B372B70E8}"/>
+              </a:ext>
+            </a:extLst>
+          </p:cNvPr>
+          <p:cNvPicPr>
+            <a:picLocks noGrp="1" noChangeAspect="1"/>
+          </p:cNvPicPr>
+          <p:nvPr>
+            <p:ph sz="half" idx="2"/>
+          </p:nvPr>
+        </p:nvPicPr>
+        <p:blipFill>
+          <a:blip r:embed="rId3"/>
+          <a:stretch>
+            <a:fillRect/>
+          </a:stretch>
+        </p:blipFill>
+        <p:spPr>
+          <a:xfrm>
+            <a:off x="6524625" y="2285999"/>
+            <a:ext cx="4448175" cy="3581401"/>
+          </a:xfrm>
+        </p:spPr>
+      </p:pic>
     </p:spTree>
     <p:extLst>
       <p:ext uri="{BB962C8B-B14F-4D97-AF65-F5344CB8AC3E}">
